--- a/#6 - Java Database Connectivty.pptx
+++ b/#6 - Java Database Connectivty.pptx
@@ -11,8 +11,8 @@
     <p:sldId id="283" r:id="rId6"/>
     <p:sldId id="284" r:id="rId7"/>
     <p:sldId id="285" r:id="rId8"/>
-    <p:sldId id="286" r:id="rId9"/>
-    <p:sldId id="287" r:id="rId10"/>
+    <p:sldId id="290" r:id="rId9"/>
+    <p:sldId id="286" r:id="rId10"/>
     <p:sldId id="288" r:id="rId11"/>
     <p:sldId id="289" r:id="rId12"/>
   </p:sldIdLst>
@@ -6362,7 +6362,12 @@
             <p:ph type="title"/>
           </p:nvPr>
         </p:nvSpPr>
-        <p:spPr/>
+        <p:spPr>
+          <a:xfrm>
+            <a:off x="594149" y="2768600"/>
+            <a:ext cx="8596668" cy="1320800"/>
+          </a:xfrm>
+        </p:spPr>
         <p:txBody>
           <a:bodyPr/>
           <a:p>
@@ -6371,24 +6376,6 @@
               <a:t>Setup Connection</a:t>
             </a:r>
             <a:endParaRPr lang="en-US" altLang="en-GB"/>
-          </a:p>
-        </p:txBody>
-      </p:sp>
-      <p:sp>
-        <p:nvSpPr>
-          <p:cNvPr id="8" name="Content Placeholder 7"/>
-          <p:cNvSpPr>
-            <a:spLocks noGrp="1"/>
-          </p:cNvSpPr>
-          <p:nvPr>
-            <p:ph idx="1"/>
-          </p:nvPr>
-        </p:nvSpPr>
-        <p:spPr/>
-        <p:txBody>
-          <a:bodyPr/>
-          <a:p>
-            <a:endParaRPr lang="en-GB" altLang="en-US"/>
           </a:p>
         </p:txBody>
       </p:sp>
@@ -6446,6 +6433,13 @@
         <p:txBody>
           <a:bodyPr/>
           <a:p>
+            <a:pPr marL="0" indent="0">
+              <a:buNone/>
+            </a:pPr>
+            <a:r>
+              <a:rPr lang="en-GB" altLang="en-US"/>
+              <a:t>A Statement is an interface that represents a SQL statement. You execute Statement objects, and they generate ResultSet objects, which is a table of data representing a database result set. You need a Connection object to create a Statement object.</a:t>
+            </a:r>
             <a:endParaRPr lang="en-GB" altLang="en-US"/>
           </a:p>
         </p:txBody>
@@ -6504,6 +6498,13 @@
         <p:txBody>
           <a:bodyPr/>
           <a:p>
+            <a:pPr marL="0" indent="0">
+              <a:buNone/>
+            </a:pPr>
+            <a:r>
+              <a:rPr lang="en-GB" altLang="en-US"/>
+              <a:t>You access the data in a ResultSet object through a cursor. Note that this cursor is not a database cursor. This cursor is a pointer that points to one row of data in the ResultSet object. Initially, the cursor is positioned before the first row. You call various methods defined in the ResultSet object to move the cursor.</a:t>
+            </a:r>
             <a:endParaRPr lang="en-GB" altLang="en-US"/>
           </a:p>
         </p:txBody>
@@ -6542,7 +6543,7 @@
           <a:p>
             <a:r>
               <a:rPr lang="en-US" altLang="en-GB"/>
-              <a:t>PreparedStatement</a:t>
+              <a:t>Close Statemet</a:t>
             </a:r>
             <a:endParaRPr lang="en-US" altLang="en-GB"/>
           </a:p>
@@ -6562,6 +6563,13 @@
         <p:txBody>
           <a:bodyPr/>
           <a:p>
+            <a:pPr marL="0" indent="0">
+              <a:buNone/>
+            </a:pPr>
+            <a:r>
+              <a:rPr lang="en-GB" altLang="en-US"/>
+              <a:t>When you are finished using a Statement, call the method Statement.close to immediately release the resources it is using. When you call this method, its ResultSet objects are closed.</a:t>
+            </a:r>
             <a:endParaRPr lang="en-GB" altLang="en-US"/>
           </a:p>
         </p:txBody>
@@ -6600,7 +6608,7 @@
           <a:p>
             <a:r>
               <a:rPr lang="en-US" altLang="en-GB"/>
-              <a:t>PreparedStatement &amp; ResultSet</a:t>
+              <a:t>PreparedStatement</a:t>
             </a:r>
             <a:endParaRPr lang="en-US" altLang="en-GB"/>
           </a:p>
@@ -6620,6 +6628,13 @@
         <p:txBody>
           <a:bodyPr/>
           <a:p>
+            <a:pPr marL="0" indent="0">
+              <a:buNone/>
+            </a:pPr>
+            <a:r>
+              <a:rPr lang="en-GB" altLang="en-US"/>
+              <a:t>The main feature of a PreparedStatement object is that, unlike a Statement object, it is given a SQL statement when it is created. The advantage to this is that in most cases, this SQL statement is sent to the DBMS right away, where it is compiled. As a result, the PreparedStatement object contains not just a SQL statement, but a SQL statement that has been precompiled. This means that when the PreparedStatement is executed, the DBMS can just run the PreparedStatement SQL statement without having to compile it first.</a:t>
+            </a:r>
             <a:endParaRPr lang="en-GB" altLang="en-US"/>
           </a:p>
         </p:txBody>
@@ -6652,7 +6667,12 @@
             <p:ph type="title"/>
           </p:nvPr>
         </p:nvSpPr>
-        <p:spPr/>
+        <p:spPr>
+          <a:xfrm>
+            <a:off x="609389" y="2768600"/>
+            <a:ext cx="8596668" cy="1320800"/>
+          </a:xfrm>
+        </p:spPr>
         <p:txBody>
           <a:bodyPr/>
           <a:p>
@@ -6661,24 +6681,6 @@
               <a:t>SQL injection</a:t>
             </a:r>
             <a:endParaRPr lang="en-US" altLang="en-GB"/>
-          </a:p>
-        </p:txBody>
-      </p:sp>
-      <p:sp>
-        <p:nvSpPr>
-          <p:cNvPr id="3" name="Content Placeholder 2"/>
-          <p:cNvSpPr>
-            <a:spLocks noGrp="1"/>
-          </p:cNvSpPr>
-          <p:nvPr>
-            <p:ph idx="1"/>
-          </p:nvPr>
-        </p:nvSpPr>
-        <p:spPr/>
-        <p:txBody>
-          <a:bodyPr/>
-          <a:p>
-            <a:endParaRPr lang="en-GB" altLang="en-US"/>
           </a:p>
         </p:txBody>
       </p:sp>
